--- a/色変更アプリ.pptx
+++ b/色変更アプリ.pptx
@@ -8,6 +8,7 @@
     <p:sldId id="256" r:id="rId2"/>
     <p:sldId id="257" r:id="rId3"/>
     <p:sldId id="259" r:id="rId4"/>
+    <p:sldId id="260" r:id="rId5"/>
   </p:sldIdLst>
   <p:sldSz cx="12192000" cy="6858000"/>
   <p:notesSz cx="6858000" cy="9144000"/>
@@ -3852,6 +3853,142 @@
           <a:p>
             <a:r>
               <a:rPr kumimoji="1" lang="ja-JP" altLang="en-US" sz="4800" dirty="0"/>
+              <a:t>画面遷移</a:t>
+            </a:r>
+          </a:p>
+        </p:txBody>
+      </p:sp>
+      <p:sp>
+        <p:nvSpPr>
+          <p:cNvPr id="3" name="テキスト ボックス 2">
+            <a:extLst>
+              <a:ext uri="{FF2B5EF4-FFF2-40B4-BE49-F238E27FC236}">
+                <a16:creationId xmlns:a16="http://schemas.microsoft.com/office/drawing/2014/main" id="{E56B171C-CC6E-E81B-CCFA-9F8368353B8F}"/>
+              </a:ext>
+            </a:extLst>
+          </p:cNvPr>
+          <p:cNvSpPr txBox="1"/>
+          <p:nvPr/>
+        </p:nvSpPr>
+        <p:spPr>
+          <a:xfrm>
+            <a:off x="275303" y="1465007"/>
+            <a:ext cx="5820824" cy="1569660"/>
+          </a:xfrm>
+          <a:prstGeom prst="rect">
+            <a:avLst/>
+          </a:prstGeom>
+          <a:noFill/>
+        </p:spPr>
+        <p:txBody>
+          <a:bodyPr wrap="none" rtlCol="0">
+            <a:spAutoFit/>
+          </a:bodyPr>
+          <a:lstStyle/>
+          <a:p>
+            <a:r>
+              <a:rPr lang="en-US" altLang="ja-JP" sz="3200" dirty="0"/>
+              <a:t>main.dart(</a:t>
+            </a:r>
+            <a:r>
+              <a:rPr lang="ja-JP" altLang="en-US" sz="3200" dirty="0"/>
+              <a:t>ログイン画面</a:t>
+            </a:r>
+            <a:r>
+              <a:rPr lang="en-US" altLang="ja-JP" sz="3200" dirty="0"/>
+              <a:t>)</a:t>
+            </a:r>
+          </a:p>
+          <a:p>
+            <a:r>
+              <a:rPr lang="ja-JP" altLang="en-US" sz="3200" dirty="0"/>
+              <a:t>　　　　↓</a:t>
+            </a:r>
+            <a:endParaRPr lang="en-US" altLang="ja-JP" sz="3200" dirty="0"/>
+          </a:p>
+          <a:p>
+            <a:r>
+              <a:rPr lang="en-US" altLang="ja-JP" sz="3200" dirty="0"/>
+              <a:t>color_screen.dart(</a:t>
+            </a:r>
+            <a:r>
+              <a:rPr lang="ja-JP" altLang="en-US" sz="3200"/>
+              <a:t>色変更画面</a:t>
+            </a:r>
+            <a:r>
+              <a:rPr lang="en-US" altLang="ja-JP" sz="3200"/>
+              <a:t>)</a:t>
+            </a:r>
+            <a:endParaRPr kumimoji="1" lang="ja-JP" altLang="en-US" sz="3200" dirty="0"/>
+          </a:p>
+        </p:txBody>
+      </p:sp>
+    </p:spTree>
+    <p:extLst>
+      <p:ext uri="{BB962C8B-B14F-4D97-AF65-F5344CB8AC3E}">
+        <p14:creationId xmlns:p14="http://schemas.microsoft.com/office/powerpoint/2010/main" val="3972190833"/>
+      </p:ext>
+    </p:extLst>
+  </p:cSld>
+  <p:clrMapOvr>
+    <a:masterClrMapping/>
+  </p:clrMapOvr>
+</p:sld>
+</file>
+
+<file path=ppt/slides/slide4.xml><?xml version="1.0" encoding="utf-8"?>
+<p:sld xmlns:a="http://schemas.openxmlformats.org/drawingml/2006/main" xmlns:r="http://schemas.openxmlformats.org/officeDocument/2006/relationships" xmlns:p="http://schemas.openxmlformats.org/presentationml/2006/main">
+  <p:cSld>
+    <p:spTree>
+      <p:nvGrpSpPr>
+        <p:cNvPr id="1" name="">
+          <a:extLst>
+            <a:ext uri="{FF2B5EF4-FFF2-40B4-BE49-F238E27FC236}">
+              <a16:creationId xmlns:a16="http://schemas.microsoft.com/office/drawing/2014/main" id="{7AAC2595-A635-1D49-8DFE-9C7932CE4318}"/>
+            </a:ext>
+          </a:extLst>
+        </p:cNvPr>
+        <p:cNvGrpSpPr/>
+        <p:nvPr/>
+      </p:nvGrpSpPr>
+      <p:grpSpPr>
+        <a:xfrm>
+          <a:off x="0" y="0"/>
+          <a:ext cx="0" cy="0"/>
+          <a:chOff x="0" y="0"/>
+          <a:chExt cx="0" cy="0"/>
+        </a:xfrm>
+      </p:grpSpPr>
+      <p:sp>
+        <p:nvSpPr>
+          <p:cNvPr id="2" name="テキスト ボックス 1">
+            <a:extLst>
+              <a:ext uri="{FF2B5EF4-FFF2-40B4-BE49-F238E27FC236}">
+                <a16:creationId xmlns:a16="http://schemas.microsoft.com/office/drawing/2014/main" id="{9C8477C4-2283-1638-F196-E3888C5F329D}"/>
+              </a:ext>
+            </a:extLst>
+          </p:cNvPr>
+          <p:cNvSpPr txBox="1"/>
+          <p:nvPr/>
+        </p:nvSpPr>
+        <p:spPr>
+          <a:xfrm>
+            <a:off x="275303" y="226141"/>
+            <a:ext cx="2646878" cy="830997"/>
+          </a:xfrm>
+          <a:prstGeom prst="rect">
+            <a:avLst/>
+          </a:prstGeom>
+          <a:noFill/>
+        </p:spPr>
+        <p:txBody>
+          <a:bodyPr wrap="none" rtlCol="0">
+            <a:spAutoFit/>
+          </a:bodyPr>
+          <a:lstStyle/>
+          <a:p>
+            <a:r>
+              <a:rPr kumimoji="1" lang="ja-JP" altLang="en-US" sz="4800" dirty="0"/>
               <a:t>タイトル</a:t>
             </a:r>
           </a:p>
@@ -3862,7 +3999,7 @@
           <p:cNvPr id="3" name="テキスト ボックス 2">
             <a:extLst>
               <a:ext uri="{FF2B5EF4-FFF2-40B4-BE49-F238E27FC236}">
-                <a16:creationId xmlns:a16="http://schemas.microsoft.com/office/drawing/2014/main" id="{E56B171C-CC6E-E81B-CCFA-9F8368353B8F}"/>
+                <a16:creationId xmlns:a16="http://schemas.microsoft.com/office/drawing/2014/main" id="{4EAB1473-9142-4307-D26F-C16A3AE6C3F1}"/>
               </a:ext>
             </a:extLst>
           </p:cNvPr>
@@ -3895,7 +4032,7 @@
     </p:spTree>
     <p:extLst>
       <p:ext uri="{BB962C8B-B14F-4D97-AF65-F5344CB8AC3E}">
-        <p14:creationId xmlns:p14="http://schemas.microsoft.com/office/powerpoint/2010/main" val="3972190833"/>
+        <p14:creationId xmlns:p14="http://schemas.microsoft.com/office/powerpoint/2010/main" val="3554150769"/>
       </p:ext>
     </p:extLst>
   </p:cSld>

--- a/色変更アプリ.pptx
+++ b/色変更アプリ.pptx
@@ -3639,9 +3639,10 @@
           <a:lstStyle/>
           <a:p>
             <a:r>
-              <a:rPr kumimoji="1" lang="ja-JP" altLang="en-US" dirty="0"/>
-              <a:t>色変更アプリ</a:t>
-            </a:r>
+              <a:rPr lang="ja-JP" altLang="en-US" dirty="0"/>
+              <a:t>仕様書</a:t>
+            </a:r>
+            <a:endParaRPr kumimoji="1" lang="ja-JP" altLang="en-US" dirty="0"/>
           </a:p>
         </p:txBody>
       </p:sp>
@@ -3753,7 +3754,7 @@
         <p:spPr>
           <a:xfrm>
             <a:off x="275303" y="1465007"/>
-            <a:ext cx="6340197" cy="1569660"/>
+            <a:ext cx="5724644" cy="2554545"/>
           </a:xfrm>
           <a:prstGeom prst="rect">
             <a:avLst/>
@@ -3767,6 +3768,20 @@
           <a:lstStyle/>
           <a:p>
             <a:r>
+              <a:rPr lang="en-US" altLang="ja-JP" sz="3200" dirty="0" err="1"/>
+              <a:t>ToDo</a:t>
+            </a:r>
+            <a:r>
+              <a:rPr lang="ja-JP" altLang="en-US" sz="3200" dirty="0"/>
+              <a:t>リストアプリ</a:t>
+            </a:r>
+            <a:endParaRPr lang="en-US" altLang="ja-JP" sz="3200" dirty="0"/>
+          </a:p>
+          <a:p>
+            <a:endParaRPr kumimoji="1" lang="en-US" altLang="ja-JP" sz="3200" dirty="0"/>
+          </a:p>
+          <a:p>
+            <a:r>
               <a:rPr kumimoji="1" lang="ja-JP" altLang="en-US" sz="3200" dirty="0"/>
               <a:t>ログインする</a:t>
             </a:r>
@@ -3781,9 +3796,14 @@
           </a:p>
           <a:p>
             <a:r>
-              <a:rPr kumimoji="1" lang="ja-JP" altLang="en-US" sz="3200" dirty="0"/>
-              <a:t>ボタンを押すと画面の色が変わる</a:t>
-            </a:r>
+              <a:rPr lang="en-US" altLang="ja-JP" sz="3200" dirty="0" err="1"/>
+              <a:t>ToDo</a:t>
+            </a:r>
+            <a:r>
+              <a:rPr lang="ja-JP" altLang="en-US" sz="3200" dirty="0"/>
+              <a:t>リストを確認・編集する</a:t>
+            </a:r>
+            <a:endParaRPr lang="en-US" altLang="ja-JP" sz="3200" dirty="0"/>
           </a:p>
         </p:txBody>
       </p:sp>
@@ -3873,7 +3893,7 @@
         <p:spPr>
           <a:xfrm>
             <a:off x="275303" y="1465007"/>
-            <a:ext cx="5820824" cy="1569660"/>
+            <a:ext cx="3262432" cy="1569660"/>
           </a:xfrm>
           <a:prstGeom prst="rect">
             <a:avLst/>
@@ -3887,39 +3907,32 @@
           <a:lstStyle/>
           <a:p>
             <a:r>
-              <a:rPr lang="en-US" altLang="ja-JP" sz="3200" dirty="0"/>
-              <a:t>main.dart(</a:t>
-            </a:r>
-            <a:r>
               <a:rPr lang="ja-JP" altLang="en-US" sz="3200" dirty="0"/>
               <a:t>ログイン画面</a:t>
             </a:r>
-            <a:r>
-              <a:rPr lang="en-US" altLang="ja-JP" sz="3200" dirty="0"/>
-              <a:t>)</a:t>
-            </a:r>
-          </a:p>
-          <a:p>
+            <a:endParaRPr lang="en-US" altLang="ja-JP" sz="3200" dirty="0"/>
+          </a:p>
+          <a:p>
+            <a:r>
+              <a:rPr lang="ja-JP" altLang="en-US" sz="3200"/>
+              <a:t>　　↑　　</a:t>
+            </a:r>
             <a:r>
               <a:rPr lang="ja-JP" altLang="en-US" sz="3200" dirty="0"/>
-              <a:t>　　　　↓</a:t>
+              <a:t>↓</a:t>
             </a:r>
             <a:endParaRPr lang="en-US" altLang="ja-JP" sz="3200" dirty="0"/>
           </a:p>
           <a:p>
             <a:r>
-              <a:rPr lang="en-US" altLang="ja-JP" sz="3200" dirty="0"/>
-              <a:t>color_screen.dart(</a:t>
-            </a:r>
-            <a:r>
-              <a:rPr lang="ja-JP" altLang="en-US" sz="3200"/>
-              <a:t>色変更画面</a:t>
-            </a:r>
-            <a:r>
-              <a:rPr lang="en-US" altLang="ja-JP" sz="3200"/>
-              <a:t>)</a:t>
-            </a:r>
-            <a:endParaRPr kumimoji="1" lang="ja-JP" altLang="en-US" sz="3200" dirty="0"/>
+              <a:rPr lang="en-US" altLang="ja-JP" sz="3200" dirty="0" err="1"/>
+              <a:t>ToDo</a:t>
+            </a:r>
+            <a:r>
+              <a:rPr lang="ja-JP" altLang="en-US" sz="3200" dirty="0"/>
+              <a:t>リスト画面</a:t>
+            </a:r>
+            <a:endParaRPr lang="en-US" altLang="ja-JP" sz="3200" dirty="0"/>
           </a:p>
         </p:txBody>
       </p:sp>
